--- a/resources/BlockWorld graphics.pptx
+++ b/resources/BlockWorld graphics.pptx
@@ -6,7 +6,9 @@
   </p:sldMasterIdLst>
   <p:sldIdLst>
     <p:sldId id="256" r:id="rId2"/>
-    <p:sldId id="257" r:id="rId3"/>
+    <p:sldId id="260" r:id="rId3"/>
+    <p:sldId id="259" r:id="rId4"/>
+    <p:sldId id="257" r:id="rId5"/>
   </p:sldIdLst>
   <p:sldSz cx="6911975" cy="4946650"/>
   <p:notesSz cx="6858000" cy="9144000"/>
@@ -244,7 +246,7 @@
           <a:p>
             <a:fld id="{3CFF8AB0-86F7-624F-8975-FEC7668EE527}" type="datetimeFigureOut">
               <a:rPr lang="en-GB" smtClean="0"/>
-              <a:t>18/10/2024</a:t>
+              <a:t>22/10/2024</a:t>
             </a:fld>
             <a:endParaRPr lang="en-GB"/>
           </a:p>
@@ -414,7 +416,7 @@
           <a:p>
             <a:fld id="{3CFF8AB0-86F7-624F-8975-FEC7668EE527}" type="datetimeFigureOut">
               <a:rPr lang="en-GB" smtClean="0"/>
-              <a:t>18/10/2024</a:t>
+              <a:t>22/10/2024</a:t>
             </a:fld>
             <a:endParaRPr lang="en-GB"/>
           </a:p>
@@ -594,7 +596,7 @@
           <a:p>
             <a:fld id="{3CFF8AB0-86F7-624F-8975-FEC7668EE527}" type="datetimeFigureOut">
               <a:rPr lang="en-GB" smtClean="0"/>
-              <a:t>18/10/2024</a:t>
+              <a:t>22/10/2024</a:t>
             </a:fld>
             <a:endParaRPr lang="en-GB"/>
           </a:p>
@@ -764,7 +766,7 @@
           <a:p>
             <a:fld id="{3CFF8AB0-86F7-624F-8975-FEC7668EE527}" type="datetimeFigureOut">
               <a:rPr lang="en-GB" smtClean="0"/>
-              <a:t>18/10/2024</a:t>
+              <a:t>22/10/2024</a:t>
             </a:fld>
             <a:endParaRPr lang="en-GB"/>
           </a:p>
@@ -1010,7 +1012,7 @@
           <a:p>
             <a:fld id="{3CFF8AB0-86F7-624F-8975-FEC7668EE527}" type="datetimeFigureOut">
               <a:rPr lang="en-GB" smtClean="0"/>
-              <a:t>18/10/2024</a:t>
+              <a:t>22/10/2024</a:t>
             </a:fld>
             <a:endParaRPr lang="en-GB"/>
           </a:p>
@@ -1242,7 +1244,7 @@
           <a:p>
             <a:fld id="{3CFF8AB0-86F7-624F-8975-FEC7668EE527}" type="datetimeFigureOut">
               <a:rPr lang="en-GB" smtClean="0"/>
-              <a:t>18/10/2024</a:t>
+              <a:t>22/10/2024</a:t>
             </a:fld>
             <a:endParaRPr lang="en-GB"/>
           </a:p>
@@ -1609,7 +1611,7 @@
           <a:p>
             <a:fld id="{3CFF8AB0-86F7-624F-8975-FEC7668EE527}" type="datetimeFigureOut">
               <a:rPr lang="en-GB" smtClean="0"/>
-              <a:t>18/10/2024</a:t>
+              <a:t>22/10/2024</a:t>
             </a:fld>
             <a:endParaRPr lang="en-GB"/>
           </a:p>
@@ -1727,7 +1729,7 @@
           <a:p>
             <a:fld id="{3CFF8AB0-86F7-624F-8975-FEC7668EE527}" type="datetimeFigureOut">
               <a:rPr lang="en-GB" smtClean="0"/>
-              <a:t>18/10/2024</a:t>
+              <a:t>22/10/2024</a:t>
             </a:fld>
             <a:endParaRPr lang="en-GB"/>
           </a:p>
@@ -1822,7 +1824,7 @@
           <a:p>
             <a:fld id="{3CFF8AB0-86F7-624F-8975-FEC7668EE527}" type="datetimeFigureOut">
               <a:rPr lang="en-GB" smtClean="0"/>
-              <a:t>18/10/2024</a:t>
+              <a:t>22/10/2024</a:t>
             </a:fld>
             <a:endParaRPr lang="en-GB"/>
           </a:p>
@@ -2099,7 +2101,7 @@
           <a:p>
             <a:fld id="{3CFF8AB0-86F7-624F-8975-FEC7668EE527}" type="datetimeFigureOut">
               <a:rPr lang="en-GB" smtClean="0"/>
-              <a:t>18/10/2024</a:t>
+              <a:t>22/10/2024</a:t>
             </a:fld>
             <a:endParaRPr lang="en-GB"/>
           </a:p>
@@ -2356,7 +2358,7 @@
           <a:p>
             <a:fld id="{3CFF8AB0-86F7-624F-8975-FEC7668EE527}" type="datetimeFigureOut">
               <a:rPr lang="en-GB" smtClean="0"/>
-              <a:t>18/10/2024</a:t>
+              <a:t>22/10/2024</a:t>
             </a:fld>
             <a:endParaRPr lang="en-GB"/>
           </a:p>
@@ -2569,7 +2571,7 @@
           <a:p>
             <a:fld id="{3CFF8AB0-86F7-624F-8975-FEC7668EE527}" type="datetimeFigureOut">
               <a:rPr lang="en-GB" smtClean="0"/>
-              <a:t>18/10/2024</a:t>
+              <a:t>22/10/2024</a:t>
             </a:fld>
             <a:endParaRPr lang="en-GB"/>
           </a:p>
@@ -4279,6 +4281,1997 @@
 </file>
 
 <file path=ppt/slides/slide2.xml><?xml version="1.0" encoding="utf-8"?>
+<p:sld xmlns:a="http://schemas.openxmlformats.org/drawingml/2006/main" xmlns:r="http://schemas.openxmlformats.org/officeDocument/2006/relationships" xmlns:p="http://schemas.openxmlformats.org/presentationml/2006/main">
+  <p:cSld>
+    <p:spTree>
+      <p:nvGrpSpPr>
+        <p:cNvPr id="1" name="">
+          <a:extLst>
+            <a:ext uri="{FF2B5EF4-FFF2-40B4-BE49-F238E27FC236}">
+              <a16:creationId xmlns:a16="http://schemas.microsoft.com/office/drawing/2014/main" id="{EE1DB315-2004-220B-C9DA-E4F69A5CC041}"/>
+            </a:ext>
+          </a:extLst>
+        </p:cNvPr>
+        <p:cNvGrpSpPr/>
+        <p:nvPr/>
+      </p:nvGrpSpPr>
+      <p:grpSpPr>
+        <a:xfrm>
+          <a:off x="0" y="0"/>
+          <a:ext cx="0" cy="0"/>
+          <a:chOff x="0" y="0"/>
+          <a:chExt cx="0" cy="0"/>
+        </a:xfrm>
+      </p:grpSpPr>
+      <p:sp>
+        <p:nvSpPr>
+          <p:cNvPr id="6" name="Rectangle 5">
+            <a:extLst>
+              <a:ext uri="{FF2B5EF4-FFF2-40B4-BE49-F238E27FC236}">
+                <a16:creationId xmlns:a16="http://schemas.microsoft.com/office/drawing/2014/main" id="{7CE312DA-5AE0-4FFC-BD90-CC42E1076C25}"/>
+              </a:ext>
+            </a:extLst>
+          </p:cNvPr>
+          <p:cNvSpPr/>
+          <p:nvPr/>
+        </p:nvSpPr>
+        <p:spPr>
+          <a:xfrm>
+            <a:off x="0" y="0"/>
+            <a:ext cx="6911975" cy="4946650"/>
+          </a:xfrm>
+          <a:prstGeom prst="rect">
+            <a:avLst/>
+          </a:prstGeom>
+          <a:solidFill>
+            <a:srgbClr val="59C2E0"/>
+          </a:solidFill>
+          <a:ln>
+            <a:noFill/>
+          </a:ln>
+        </p:spPr>
+        <p:style>
+          <a:lnRef idx="2">
+            <a:schemeClr val="accent1">
+              <a:shade val="15000"/>
+            </a:schemeClr>
+          </a:lnRef>
+          <a:fillRef idx="1">
+            <a:schemeClr val="accent1"/>
+          </a:fillRef>
+          <a:effectRef idx="0">
+            <a:schemeClr val="accent1"/>
+          </a:effectRef>
+          <a:fontRef idx="minor">
+            <a:schemeClr val="lt1"/>
+          </a:fontRef>
+        </p:style>
+        <p:txBody>
+          <a:bodyPr rtlCol="0" anchor="ctr"/>
+          <a:lstStyle/>
+          <a:p>
+            <a:pPr algn="ctr"/>
+            <a:endParaRPr lang="en-GB"/>
+          </a:p>
+        </p:txBody>
+      </p:sp>
+      <p:sp>
+        <p:nvSpPr>
+          <p:cNvPr id="12" name="Freeform 11">
+            <a:extLst>
+              <a:ext uri="{FF2B5EF4-FFF2-40B4-BE49-F238E27FC236}">
+                <a16:creationId xmlns:a16="http://schemas.microsoft.com/office/drawing/2014/main" id="{A9A1B387-5FCB-AA5E-9BD8-C1080654CD07}"/>
+              </a:ext>
+            </a:extLst>
+          </p:cNvPr>
+          <p:cNvSpPr/>
+          <p:nvPr/>
+        </p:nvSpPr>
+        <p:spPr>
+          <a:xfrm>
+            <a:off x="-299740" y="147073"/>
+            <a:ext cx="1731698" cy="550258"/>
+          </a:xfrm>
+          <a:custGeom>
+            <a:avLst/>
+            <a:gdLst>
+              <a:gd name="connsiteX0" fmla="*/ 404602 w 1731696"/>
+              <a:gd name="connsiteY0" fmla="*/ 0 h 550258"/>
+              <a:gd name="connsiteX1" fmla="*/ 1205713 w 1731696"/>
+              <a:gd name="connsiteY1" fmla="*/ 0 h 550258"/>
+              <a:gd name="connsiteX2" fmla="*/ 1205713 w 1731696"/>
+              <a:gd name="connsiteY2" fmla="*/ 137565 h 550258"/>
+              <a:gd name="connsiteX3" fmla="*/ 1391830 w 1731696"/>
+              <a:gd name="connsiteY3" fmla="*/ 137565 h 550258"/>
+              <a:gd name="connsiteX4" fmla="*/ 1391830 w 1731696"/>
+              <a:gd name="connsiteY4" fmla="*/ 315589 h 550258"/>
+              <a:gd name="connsiteX5" fmla="*/ 1577947 w 1731696"/>
+              <a:gd name="connsiteY5" fmla="*/ 315589 h 550258"/>
+              <a:gd name="connsiteX6" fmla="*/ 1577947 w 1731696"/>
+              <a:gd name="connsiteY6" fmla="*/ 436970 h 550258"/>
+              <a:gd name="connsiteX7" fmla="*/ 1731696 w 1731696"/>
+              <a:gd name="connsiteY7" fmla="*/ 436970 h 550258"/>
+              <a:gd name="connsiteX8" fmla="*/ 1731696 w 1731696"/>
+              <a:gd name="connsiteY8" fmla="*/ 550258 h 550258"/>
+              <a:gd name="connsiteX9" fmla="*/ 1577947 w 1731696"/>
+              <a:gd name="connsiteY9" fmla="*/ 550258 h 550258"/>
+              <a:gd name="connsiteX10" fmla="*/ 1391830 w 1731696"/>
+              <a:gd name="connsiteY10" fmla="*/ 550258 h 550258"/>
+              <a:gd name="connsiteX11" fmla="*/ 1205713 w 1731696"/>
+              <a:gd name="connsiteY11" fmla="*/ 550258 h 550258"/>
+              <a:gd name="connsiteX12" fmla="*/ 404602 w 1731696"/>
+              <a:gd name="connsiteY12" fmla="*/ 550258 h 550258"/>
+              <a:gd name="connsiteX13" fmla="*/ 282711 w 1731696"/>
+              <a:gd name="connsiteY13" fmla="*/ 550258 h 550258"/>
+              <a:gd name="connsiteX14" fmla="*/ 105196 w 1731696"/>
+              <a:gd name="connsiteY14" fmla="*/ 550258 h 550258"/>
+              <a:gd name="connsiteX15" fmla="*/ 0 w 1731696"/>
+              <a:gd name="connsiteY15" fmla="*/ 550258 h 550258"/>
+              <a:gd name="connsiteX16" fmla="*/ 0 w 1731696"/>
+              <a:gd name="connsiteY16" fmla="*/ 436970 h 550258"/>
+              <a:gd name="connsiteX17" fmla="*/ 105196 w 1731696"/>
+              <a:gd name="connsiteY17" fmla="*/ 436970 h 550258"/>
+              <a:gd name="connsiteX18" fmla="*/ 105196 w 1731696"/>
+              <a:gd name="connsiteY18" fmla="*/ 315589 h 550258"/>
+              <a:gd name="connsiteX19" fmla="*/ 282711 w 1731696"/>
+              <a:gd name="connsiteY19" fmla="*/ 315589 h 550258"/>
+              <a:gd name="connsiteX20" fmla="*/ 282711 w 1731696"/>
+              <a:gd name="connsiteY20" fmla="*/ 137565 h 550258"/>
+              <a:gd name="connsiteX21" fmla="*/ 404602 w 1731696"/>
+              <a:gd name="connsiteY21" fmla="*/ 137565 h 550258"/>
+            </a:gdLst>
+            <a:ahLst/>
+            <a:cxnLst>
+              <a:cxn ang="0">
+                <a:pos x="connsiteX0" y="connsiteY0"/>
+              </a:cxn>
+              <a:cxn ang="0">
+                <a:pos x="connsiteX1" y="connsiteY1"/>
+              </a:cxn>
+              <a:cxn ang="0">
+                <a:pos x="connsiteX2" y="connsiteY2"/>
+              </a:cxn>
+              <a:cxn ang="0">
+                <a:pos x="connsiteX3" y="connsiteY3"/>
+              </a:cxn>
+              <a:cxn ang="0">
+                <a:pos x="connsiteX4" y="connsiteY4"/>
+              </a:cxn>
+              <a:cxn ang="0">
+                <a:pos x="connsiteX5" y="connsiteY5"/>
+              </a:cxn>
+              <a:cxn ang="0">
+                <a:pos x="connsiteX6" y="connsiteY6"/>
+              </a:cxn>
+              <a:cxn ang="0">
+                <a:pos x="connsiteX7" y="connsiteY7"/>
+              </a:cxn>
+              <a:cxn ang="0">
+                <a:pos x="connsiteX8" y="connsiteY8"/>
+              </a:cxn>
+              <a:cxn ang="0">
+                <a:pos x="connsiteX9" y="connsiteY9"/>
+              </a:cxn>
+              <a:cxn ang="0">
+                <a:pos x="connsiteX10" y="connsiteY10"/>
+              </a:cxn>
+              <a:cxn ang="0">
+                <a:pos x="connsiteX11" y="connsiteY11"/>
+              </a:cxn>
+              <a:cxn ang="0">
+                <a:pos x="connsiteX12" y="connsiteY12"/>
+              </a:cxn>
+              <a:cxn ang="0">
+                <a:pos x="connsiteX13" y="connsiteY13"/>
+              </a:cxn>
+              <a:cxn ang="0">
+                <a:pos x="connsiteX14" y="connsiteY14"/>
+              </a:cxn>
+              <a:cxn ang="0">
+                <a:pos x="connsiteX15" y="connsiteY15"/>
+              </a:cxn>
+              <a:cxn ang="0">
+                <a:pos x="connsiteX16" y="connsiteY16"/>
+              </a:cxn>
+              <a:cxn ang="0">
+                <a:pos x="connsiteX17" y="connsiteY17"/>
+              </a:cxn>
+              <a:cxn ang="0">
+                <a:pos x="connsiteX18" y="connsiteY18"/>
+              </a:cxn>
+              <a:cxn ang="0">
+                <a:pos x="connsiteX19" y="connsiteY19"/>
+              </a:cxn>
+              <a:cxn ang="0">
+                <a:pos x="connsiteX20" y="connsiteY20"/>
+              </a:cxn>
+              <a:cxn ang="0">
+                <a:pos x="connsiteX21" y="connsiteY21"/>
+              </a:cxn>
+            </a:cxnLst>
+            <a:rect l="l" t="t" r="r" b="b"/>
+            <a:pathLst>
+              <a:path w="1731696" h="550258">
+                <a:moveTo>
+                  <a:pt x="404602" y="0"/>
+                </a:moveTo>
+                <a:lnTo>
+                  <a:pt x="1205713" y="0"/>
+                </a:lnTo>
+                <a:lnTo>
+                  <a:pt x="1205713" y="137565"/>
+                </a:lnTo>
+                <a:lnTo>
+                  <a:pt x="1391830" y="137565"/>
+                </a:lnTo>
+                <a:lnTo>
+                  <a:pt x="1391830" y="315589"/>
+                </a:lnTo>
+                <a:lnTo>
+                  <a:pt x="1577947" y="315589"/>
+                </a:lnTo>
+                <a:lnTo>
+                  <a:pt x="1577947" y="436970"/>
+                </a:lnTo>
+                <a:lnTo>
+                  <a:pt x="1731696" y="436970"/>
+                </a:lnTo>
+                <a:lnTo>
+                  <a:pt x="1731696" y="550258"/>
+                </a:lnTo>
+                <a:lnTo>
+                  <a:pt x="1577947" y="550258"/>
+                </a:lnTo>
+                <a:lnTo>
+                  <a:pt x="1391830" y="550258"/>
+                </a:lnTo>
+                <a:lnTo>
+                  <a:pt x="1205713" y="550258"/>
+                </a:lnTo>
+                <a:lnTo>
+                  <a:pt x="404602" y="550258"/>
+                </a:lnTo>
+                <a:lnTo>
+                  <a:pt x="282711" y="550258"/>
+                </a:lnTo>
+                <a:lnTo>
+                  <a:pt x="105196" y="550258"/>
+                </a:lnTo>
+                <a:lnTo>
+                  <a:pt x="0" y="550258"/>
+                </a:lnTo>
+                <a:lnTo>
+                  <a:pt x="0" y="436970"/>
+                </a:lnTo>
+                <a:lnTo>
+                  <a:pt x="105196" y="436970"/>
+                </a:lnTo>
+                <a:lnTo>
+                  <a:pt x="105196" y="315589"/>
+                </a:lnTo>
+                <a:lnTo>
+                  <a:pt x="282711" y="315589"/>
+                </a:lnTo>
+                <a:lnTo>
+                  <a:pt x="282711" y="137565"/>
+                </a:lnTo>
+                <a:lnTo>
+                  <a:pt x="404602" y="137565"/>
+                </a:lnTo>
+                <a:close/>
+              </a:path>
+            </a:pathLst>
+          </a:custGeom>
+          <a:solidFill>
+            <a:srgbClr val="F9F9F9"/>
+          </a:solidFill>
+          <a:ln>
+            <a:noFill/>
+          </a:ln>
+        </p:spPr>
+        <p:style>
+          <a:lnRef idx="2">
+            <a:schemeClr val="accent1">
+              <a:shade val="15000"/>
+            </a:schemeClr>
+          </a:lnRef>
+          <a:fillRef idx="1">
+            <a:schemeClr val="accent1"/>
+          </a:fillRef>
+          <a:effectRef idx="0">
+            <a:schemeClr val="accent1"/>
+          </a:effectRef>
+          <a:fontRef idx="minor">
+            <a:schemeClr val="lt1"/>
+          </a:fontRef>
+        </p:style>
+        <p:txBody>
+          <a:bodyPr wrap="square" rtlCol="0" anchor="ctr">
+            <a:noAutofit/>
+          </a:bodyPr>
+          <a:lstStyle/>
+          <a:p>
+            <a:pPr algn="ctr"/>
+            <a:endParaRPr lang="en-GB"/>
+          </a:p>
+        </p:txBody>
+      </p:sp>
+      <p:sp>
+        <p:nvSpPr>
+          <p:cNvPr id="13" name="Freeform 12">
+            <a:extLst>
+              <a:ext uri="{FF2B5EF4-FFF2-40B4-BE49-F238E27FC236}">
+                <a16:creationId xmlns:a16="http://schemas.microsoft.com/office/drawing/2014/main" id="{46BF2A1F-6CB1-C5E7-447F-83D358CBD226}"/>
+              </a:ext>
+            </a:extLst>
+          </p:cNvPr>
+          <p:cNvSpPr/>
+          <p:nvPr/>
+        </p:nvSpPr>
+        <p:spPr>
+          <a:xfrm>
+            <a:off x="5396476" y="3367780"/>
+            <a:ext cx="2140870" cy="680275"/>
+          </a:xfrm>
+          <a:custGeom>
+            <a:avLst/>
+            <a:gdLst>
+              <a:gd name="connsiteX0" fmla="*/ 404602 w 1731696"/>
+              <a:gd name="connsiteY0" fmla="*/ 0 h 550258"/>
+              <a:gd name="connsiteX1" fmla="*/ 1205713 w 1731696"/>
+              <a:gd name="connsiteY1" fmla="*/ 0 h 550258"/>
+              <a:gd name="connsiteX2" fmla="*/ 1205713 w 1731696"/>
+              <a:gd name="connsiteY2" fmla="*/ 137565 h 550258"/>
+              <a:gd name="connsiteX3" fmla="*/ 1391830 w 1731696"/>
+              <a:gd name="connsiteY3" fmla="*/ 137565 h 550258"/>
+              <a:gd name="connsiteX4" fmla="*/ 1391830 w 1731696"/>
+              <a:gd name="connsiteY4" fmla="*/ 315589 h 550258"/>
+              <a:gd name="connsiteX5" fmla="*/ 1577947 w 1731696"/>
+              <a:gd name="connsiteY5" fmla="*/ 315589 h 550258"/>
+              <a:gd name="connsiteX6" fmla="*/ 1577947 w 1731696"/>
+              <a:gd name="connsiteY6" fmla="*/ 436970 h 550258"/>
+              <a:gd name="connsiteX7" fmla="*/ 1731696 w 1731696"/>
+              <a:gd name="connsiteY7" fmla="*/ 436970 h 550258"/>
+              <a:gd name="connsiteX8" fmla="*/ 1731696 w 1731696"/>
+              <a:gd name="connsiteY8" fmla="*/ 550258 h 550258"/>
+              <a:gd name="connsiteX9" fmla="*/ 1577947 w 1731696"/>
+              <a:gd name="connsiteY9" fmla="*/ 550258 h 550258"/>
+              <a:gd name="connsiteX10" fmla="*/ 1391830 w 1731696"/>
+              <a:gd name="connsiteY10" fmla="*/ 550258 h 550258"/>
+              <a:gd name="connsiteX11" fmla="*/ 1205713 w 1731696"/>
+              <a:gd name="connsiteY11" fmla="*/ 550258 h 550258"/>
+              <a:gd name="connsiteX12" fmla="*/ 404602 w 1731696"/>
+              <a:gd name="connsiteY12" fmla="*/ 550258 h 550258"/>
+              <a:gd name="connsiteX13" fmla="*/ 282711 w 1731696"/>
+              <a:gd name="connsiteY13" fmla="*/ 550258 h 550258"/>
+              <a:gd name="connsiteX14" fmla="*/ 105196 w 1731696"/>
+              <a:gd name="connsiteY14" fmla="*/ 550258 h 550258"/>
+              <a:gd name="connsiteX15" fmla="*/ 0 w 1731696"/>
+              <a:gd name="connsiteY15" fmla="*/ 550258 h 550258"/>
+              <a:gd name="connsiteX16" fmla="*/ 0 w 1731696"/>
+              <a:gd name="connsiteY16" fmla="*/ 436970 h 550258"/>
+              <a:gd name="connsiteX17" fmla="*/ 105196 w 1731696"/>
+              <a:gd name="connsiteY17" fmla="*/ 436970 h 550258"/>
+              <a:gd name="connsiteX18" fmla="*/ 105196 w 1731696"/>
+              <a:gd name="connsiteY18" fmla="*/ 315589 h 550258"/>
+              <a:gd name="connsiteX19" fmla="*/ 282711 w 1731696"/>
+              <a:gd name="connsiteY19" fmla="*/ 315589 h 550258"/>
+              <a:gd name="connsiteX20" fmla="*/ 282711 w 1731696"/>
+              <a:gd name="connsiteY20" fmla="*/ 137565 h 550258"/>
+              <a:gd name="connsiteX21" fmla="*/ 404602 w 1731696"/>
+              <a:gd name="connsiteY21" fmla="*/ 137565 h 550258"/>
+            </a:gdLst>
+            <a:ahLst/>
+            <a:cxnLst>
+              <a:cxn ang="0">
+                <a:pos x="connsiteX0" y="connsiteY0"/>
+              </a:cxn>
+              <a:cxn ang="0">
+                <a:pos x="connsiteX1" y="connsiteY1"/>
+              </a:cxn>
+              <a:cxn ang="0">
+                <a:pos x="connsiteX2" y="connsiteY2"/>
+              </a:cxn>
+              <a:cxn ang="0">
+                <a:pos x="connsiteX3" y="connsiteY3"/>
+              </a:cxn>
+              <a:cxn ang="0">
+                <a:pos x="connsiteX4" y="connsiteY4"/>
+              </a:cxn>
+              <a:cxn ang="0">
+                <a:pos x="connsiteX5" y="connsiteY5"/>
+              </a:cxn>
+              <a:cxn ang="0">
+                <a:pos x="connsiteX6" y="connsiteY6"/>
+              </a:cxn>
+              <a:cxn ang="0">
+                <a:pos x="connsiteX7" y="connsiteY7"/>
+              </a:cxn>
+              <a:cxn ang="0">
+                <a:pos x="connsiteX8" y="connsiteY8"/>
+              </a:cxn>
+              <a:cxn ang="0">
+                <a:pos x="connsiteX9" y="connsiteY9"/>
+              </a:cxn>
+              <a:cxn ang="0">
+                <a:pos x="connsiteX10" y="connsiteY10"/>
+              </a:cxn>
+              <a:cxn ang="0">
+                <a:pos x="connsiteX11" y="connsiteY11"/>
+              </a:cxn>
+              <a:cxn ang="0">
+                <a:pos x="connsiteX12" y="connsiteY12"/>
+              </a:cxn>
+              <a:cxn ang="0">
+                <a:pos x="connsiteX13" y="connsiteY13"/>
+              </a:cxn>
+              <a:cxn ang="0">
+                <a:pos x="connsiteX14" y="connsiteY14"/>
+              </a:cxn>
+              <a:cxn ang="0">
+                <a:pos x="connsiteX15" y="connsiteY15"/>
+              </a:cxn>
+              <a:cxn ang="0">
+                <a:pos x="connsiteX16" y="connsiteY16"/>
+              </a:cxn>
+              <a:cxn ang="0">
+                <a:pos x="connsiteX17" y="connsiteY17"/>
+              </a:cxn>
+              <a:cxn ang="0">
+                <a:pos x="connsiteX18" y="connsiteY18"/>
+              </a:cxn>
+              <a:cxn ang="0">
+                <a:pos x="connsiteX19" y="connsiteY19"/>
+              </a:cxn>
+              <a:cxn ang="0">
+                <a:pos x="connsiteX20" y="connsiteY20"/>
+              </a:cxn>
+              <a:cxn ang="0">
+                <a:pos x="connsiteX21" y="connsiteY21"/>
+              </a:cxn>
+            </a:cxnLst>
+            <a:rect l="l" t="t" r="r" b="b"/>
+            <a:pathLst>
+              <a:path w="1731696" h="550258">
+                <a:moveTo>
+                  <a:pt x="404602" y="0"/>
+                </a:moveTo>
+                <a:lnTo>
+                  <a:pt x="1205713" y="0"/>
+                </a:lnTo>
+                <a:lnTo>
+                  <a:pt x="1205713" y="137565"/>
+                </a:lnTo>
+                <a:lnTo>
+                  <a:pt x="1391830" y="137565"/>
+                </a:lnTo>
+                <a:lnTo>
+                  <a:pt x="1391830" y="315589"/>
+                </a:lnTo>
+                <a:lnTo>
+                  <a:pt x="1577947" y="315589"/>
+                </a:lnTo>
+                <a:lnTo>
+                  <a:pt x="1577947" y="436970"/>
+                </a:lnTo>
+                <a:lnTo>
+                  <a:pt x="1731696" y="436970"/>
+                </a:lnTo>
+                <a:lnTo>
+                  <a:pt x="1731696" y="550258"/>
+                </a:lnTo>
+                <a:lnTo>
+                  <a:pt x="1577947" y="550258"/>
+                </a:lnTo>
+                <a:lnTo>
+                  <a:pt x="1391830" y="550258"/>
+                </a:lnTo>
+                <a:lnTo>
+                  <a:pt x="1205713" y="550258"/>
+                </a:lnTo>
+                <a:lnTo>
+                  <a:pt x="404602" y="550258"/>
+                </a:lnTo>
+                <a:lnTo>
+                  <a:pt x="282711" y="550258"/>
+                </a:lnTo>
+                <a:lnTo>
+                  <a:pt x="105196" y="550258"/>
+                </a:lnTo>
+                <a:lnTo>
+                  <a:pt x="0" y="550258"/>
+                </a:lnTo>
+                <a:lnTo>
+                  <a:pt x="0" y="436970"/>
+                </a:lnTo>
+                <a:lnTo>
+                  <a:pt x="105196" y="436970"/>
+                </a:lnTo>
+                <a:lnTo>
+                  <a:pt x="105196" y="315589"/>
+                </a:lnTo>
+                <a:lnTo>
+                  <a:pt x="282711" y="315589"/>
+                </a:lnTo>
+                <a:lnTo>
+                  <a:pt x="282711" y="137565"/>
+                </a:lnTo>
+                <a:lnTo>
+                  <a:pt x="404602" y="137565"/>
+                </a:lnTo>
+                <a:close/>
+              </a:path>
+            </a:pathLst>
+          </a:custGeom>
+          <a:solidFill>
+            <a:srgbClr val="F9F9F9"/>
+          </a:solidFill>
+          <a:ln>
+            <a:noFill/>
+          </a:ln>
+        </p:spPr>
+        <p:style>
+          <a:lnRef idx="2">
+            <a:schemeClr val="accent1">
+              <a:shade val="15000"/>
+            </a:schemeClr>
+          </a:lnRef>
+          <a:fillRef idx="1">
+            <a:schemeClr val="accent1"/>
+          </a:fillRef>
+          <a:effectRef idx="0">
+            <a:schemeClr val="accent1"/>
+          </a:effectRef>
+          <a:fontRef idx="minor">
+            <a:schemeClr val="lt1"/>
+          </a:fontRef>
+        </p:style>
+        <p:txBody>
+          <a:bodyPr wrap="square" rtlCol="0" anchor="ctr">
+            <a:noAutofit/>
+          </a:bodyPr>
+          <a:lstStyle/>
+          <a:p>
+            <a:pPr algn="ctr"/>
+            <a:endParaRPr lang="en-GB"/>
+          </a:p>
+        </p:txBody>
+      </p:sp>
+      <p:sp>
+        <p:nvSpPr>
+          <p:cNvPr id="14" name="Freeform 13">
+            <a:extLst>
+              <a:ext uri="{FF2B5EF4-FFF2-40B4-BE49-F238E27FC236}">
+                <a16:creationId xmlns:a16="http://schemas.microsoft.com/office/drawing/2014/main" id="{3459E38B-342D-C478-E567-0377EC67E132}"/>
+              </a:ext>
+            </a:extLst>
+          </p:cNvPr>
+          <p:cNvSpPr/>
+          <p:nvPr/>
+        </p:nvSpPr>
+        <p:spPr>
+          <a:xfrm flipH="1">
+            <a:off x="-463207" y="4048055"/>
+            <a:ext cx="1986605" cy="680275"/>
+          </a:xfrm>
+          <a:custGeom>
+            <a:avLst/>
+            <a:gdLst>
+              <a:gd name="connsiteX0" fmla="*/ 404602 w 1731696"/>
+              <a:gd name="connsiteY0" fmla="*/ 0 h 550258"/>
+              <a:gd name="connsiteX1" fmla="*/ 1205713 w 1731696"/>
+              <a:gd name="connsiteY1" fmla="*/ 0 h 550258"/>
+              <a:gd name="connsiteX2" fmla="*/ 1205713 w 1731696"/>
+              <a:gd name="connsiteY2" fmla="*/ 137565 h 550258"/>
+              <a:gd name="connsiteX3" fmla="*/ 1391830 w 1731696"/>
+              <a:gd name="connsiteY3" fmla="*/ 137565 h 550258"/>
+              <a:gd name="connsiteX4" fmla="*/ 1391830 w 1731696"/>
+              <a:gd name="connsiteY4" fmla="*/ 315589 h 550258"/>
+              <a:gd name="connsiteX5" fmla="*/ 1577947 w 1731696"/>
+              <a:gd name="connsiteY5" fmla="*/ 315589 h 550258"/>
+              <a:gd name="connsiteX6" fmla="*/ 1577947 w 1731696"/>
+              <a:gd name="connsiteY6" fmla="*/ 436970 h 550258"/>
+              <a:gd name="connsiteX7" fmla="*/ 1731696 w 1731696"/>
+              <a:gd name="connsiteY7" fmla="*/ 436970 h 550258"/>
+              <a:gd name="connsiteX8" fmla="*/ 1731696 w 1731696"/>
+              <a:gd name="connsiteY8" fmla="*/ 550258 h 550258"/>
+              <a:gd name="connsiteX9" fmla="*/ 1577947 w 1731696"/>
+              <a:gd name="connsiteY9" fmla="*/ 550258 h 550258"/>
+              <a:gd name="connsiteX10" fmla="*/ 1391830 w 1731696"/>
+              <a:gd name="connsiteY10" fmla="*/ 550258 h 550258"/>
+              <a:gd name="connsiteX11" fmla="*/ 1205713 w 1731696"/>
+              <a:gd name="connsiteY11" fmla="*/ 550258 h 550258"/>
+              <a:gd name="connsiteX12" fmla="*/ 404602 w 1731696"/>
+              <a:gd name="connsiteY12" fmla="*/ 550258 h 550258"/>
+              <a:gd name="connsiteX13" fmla="*/ 282711 w 1731696"/>
+              <a:gd name="connsiteY13" fmla="*/ 550258 h 550258"/>
+              <a:gd name="connsiteX14" fmla="*/ 105196 w 1731696"/>
+              <a:gd name="connsiteY14" fmla="*/ 550258 h 550258"/>
+              <a:gd name="connsiteX15" fmla="*/ 0 w 1731696"/>
+              <a:gd name="connsiteY15" fmla="*/ 550258 h 550258"/>
+              <a:gd name="connsiteX16" fmla="*/ 0 w 1731696"/>
+              <a:gd name="connsiteY16" fmla="*/ 436970 h 550258"/>
+              <a:gd name="connsiteX17" fmla="*/ 105196 w 1731696"/>
+              <a:gd name="connsiteY17" fmla="*/ 436970 h 550258"/>
+              <a:gd name="connsiteX18" fmla="*/ 105196 w 1731696"/>
+              <a:gd name="connsiteY18" fmla="*/ 315589 h 550258"/>
+              <a:gd name="connsiteX19" fmla="*/ 282711 w 1731696"/>
+              <a:gd name="connsiteY19" fmla="*/ 315589 h 550258"/>
+              <a:gd name="connsiteX20" fmla="*/ 282711 w 1731696"/>
+              <a:gd name="connsiteY20" fmla="*/ 137565 h 550258"/>
+              <a:gd name="connsiteX21" fmla="*/ 404602 w 1731696"/>
+              <a:gd name="connsiteY21" fmla="*/ 137565 h 550258"/>
+            </a:gdLst>
+            <a:ahLst/>
+            <a:cxnLst>
+              <a:cxn ang="0">
+                <a:pos x="connsiteX0" y="connsiteY0"/>
+              </a:cxn>
+              <a:cxn ang="0">
+                <a:pos x="connsiteX1" y="connsiteY1"/>
+              </a:cxn>
+              <a:cxn ang="0">
+                <a:pos x="connsiteX2" y="connsiteY2"/>
+              </a:cxn>
+              <a:cxn ang="0">
+                <a:pos x="connsiteX3" y="connsiteY3"/>
+              </a:cxn>
+              <a:cxn ang="0">
+                <a:pos x="connsiteX4" y="connsiteY4"/>
+              </a:cxn>
+              <a:cxn ang="0">
+                <a:pos x="connsiteX5" y="connsiteY5"/>
+              </a:cxn>
+              <a:cxn ang="0">
+                <a:pos x="connsiteX6" y="connsiteY6"/>
+              </a:cxn>
+              <a:cxn ang="0">
+                <a:pos x="connsiteX7" y="connsiteY7"/>
+              </a:cxn>
+              <a:cxn ang="0">
+                <a:pos x="connsiteX8" y="connsiteY8"/>
+              </a:cxn>
+              <a:cxn ang="0">
+                <a:pos x="connsiteX9" y="connsiteY9"/>
+              </a:cxn>
+              <a:cxn ang="0">
+                <a:pos x="connsiteX10" y="connsiteY10"/>
+              </a:cxn>
+              <a:cxn ang="0">
+                <a:pos x="connsiteX11" y="connsiteY11"/>
+              </a:cxn>
+              <a:cxn ang="0">
+                <a:pos x="connsiteX12" y="connsiteY12"/>
+              </a:cxn>
+              <a:cxn ang="0">
+                <a:pos x="connsiteX13" y="connsiteY13"/>
+              </a:cxn>
+              <a:cxn ang="0">
+                <a:pos x="connsiteX14" y="connsiteY14"/>
+              </a:cxn>
+              <a:cxn ang="0">
+                <a:pos x="connsiteX15" y="connsiteY15"/>
+              </a:cxn>
+              <a:cxn ang="0">
+                <a:pos x="connsiteX16" y="connsiteY16"/>
+              </a:cxn>
+              <a:cxn ang="0">
+                <a:pos x="connsiteX17" y="connsiteY17"/>
+              </a:cxn>
+              <a:cxn ang="0">
+                <a:pos x="connsiteX18" y="connsiteY18"/>
+              </a:cxn>
+              <a:cxn ang="0">
+                <a:pos x="connsiteX19" y="connsiteY19"/>
+              </a:cxn>
+              <a:cxn ang="0">
+                <a:pos x="connsiteX20" y="connsiteY20"/>
+              </a:cxn>
+              <a:cxn ang="0">
+                <a:pos x="connsiteX21" y="connsiteY21"/>
+              </a:cxn>
+            </a:cxnLst>
+            <a:rect l="l" t="t" r="r" b="b"/>
+            <a:pathLst>
+              <a:path w="1731696" h="550258">
+                <a:moveTo>
+                  <a:pt x="404602" y="0"/>
+                </a:moveTo>
+                <a:lnTo>
+                  <a:pt x="1205713" y="0"/>
+                </a:lnTo>
+                <a:lnTo>
+                  <a:pt x="1205713" y="137565"/>
+                </a:lnTo>
+                <a:lnTo>
+                  <a:pt x="1391830" y="137565"/>
+                </a:lnTo>
+                <a:lnTo>
+                  <a:pt x="1391830" y="315589"/>
+                </a:lnTo>
+                <a:lnTo>
+                  <a:pt x="1577947" y="315589"/>
+                </a:lnTo>
+                <a:lnTo>
+                  <a:pt x="1577947" y="436970"/>
+                </a:lnTo>
+                <a:lnTo>
+                  <a:pt x="1731696" y="436970"/>
+                </a:lnTo>
+                <a:lnTo>
+                  <a:pt x="1731696" y="550258"/>
+                </a:lnTo>
+                <a:lnTo>
+                  <a:pt x="1577947" y="550258"/>
+                </a:lnTo>
+                <a:lnTo>
+                  <a:pt x="1391830" y="550258"/>
+                </a:lnTo>
+                <a:lnTo>
+                  <a:pt x="1205713" y="550258"/>
+                </a:lnTo>
+                <a:lnTo>
+                  <a:pt x="404602" y="550258"/>
+                </a:lnTo>
+                <a:lnTo>
+                  <a:pt x="282711" y="550258"/>
+                </a:lnTo>
+                <a:lnTo>
+                  <a:pt x="105196" y="550258"/>
+                </a:lnTo>
+                <a:lnTo>
+                  <a:pt x="0" y="550258"/>
+                </a:lnTo>
+                <a:lnTo>
+                  <a:pt x="0" y="436970"/>
+                </a:lnTo>
+                <a:lnTo>
+                  <a:pt x="105196" y="436970"/>
+                </a:lnTo>
+                <a:lnTo>
+                  <a:pt x="105196" y="315589"/>
+                </a:lnTo>
+                <a:lnTo>
+                  <a:pt x="282711" y="315589"/>
+                </a:lnTo>
+                <a:lnTo>
+                  <a:pt x="282711" y="137565"/>
+                </a:lnTo>
+                <a:lnTo>
+                  <a:pt x="404602" y="137565"/>
+                </a:lnTo>
+                <a:close/>
+              </a:path>
+            </a:pathLst>
+          </a:custGeom>
+          <a:solidFill>
+            <a:srgbClr val="F9F9F9"/>
+          </a:solidFill>
+          <a:ln>
+            <a:noFill/>
+          </a:ln>
+        </p:spPr>
+        <p:style>
+          <a:lnRef idx="2">
+            <a:schemeClr val="accent1">
+              <a:shade val="15000"/>
+            </a:schemeClr>
+          </a:lnRef>
+          <a:fillRef idx="1">
+            <a:schemeClr val="accent1"/>
+          </a:fillRef>
+          <a:effectRef idx="0">
+            <a:schemeClr val="accent1"/>
+          </a:effectRef>
+          <a:fontRef idx="minor">
+            <a:schemeClr val="lt1"/>
+          </a:fontRef>
+        </p:style>
+        <p:txBody>
+          <a:bodyPr wrap="square" rtlCol="0" anchor="ctr">
+            <a:noAutofit/>
+          </a:bodyPr>
+          <a:lstStyle/>
+          <a:p>
+            <a:pPr algn="ctr"/>
+            <a:endParaRPr lang="en-GB"/>
+          </a:p>
+        </p:txBody>
+      </p:sp>
+      <p:sp>
+        <p:nvSpPr>
+          <p:cNvPr id="17" name="Freeform 16">
+            <a:extLst>
+              <a:ext uri="{FF2B5EF4-FFF2-40B4-BE49-F238E27FC236}">
+                <a16:creationId xmlns:a16="http://schemas.microsoft.com/office/drawing/2014/main" id="{29E5E0B3-8DFE-EF95-56CA-35E8A86B0178}"/>
+              </a:ext>
+            </a:extLst>
+          </p:cNvPr>
+          <p:cNvSpPr/>
+          <p:nvPr/>
+        </p:nvSpPr>
+        <p:spPr>
+          <a:xfrm>
+            <a:off x="5745607" y="615836"/>
+            <a:ext cx="1731698" cy="550258"/>
+          </a:xfrm>
+          <a:custGeom>
+            <a:avLst/>
+            <a:gdLst>
+              <a:gd name="connsiteX0" fmla="*/ 404602 w 1731696"/>
+              <a:gd name="connsiteY0" fmla="*/ 0 h 550258"/>
+              <a:gd name="connsiteX1" fmla="*/ 1205713 w 1731696"/>
+              <a:gd name="connsiteY1" fmla="*/ 0 h 550258"/>
+              <a:gd name="connsiteX2" fmla="*/ 1205713 w 1731696"/>
+              <a:gd name="connsiteY2" fmla="*/ 137565 h 550258"/>
+              <a:gd name="connsiteX3" fmla="*/ 1391830 w 1731696"/>
+              <a:gd name="connsiteY3" fmla="*/ 137565 h 550258"/>
+              <a:gd name="connsiteX4" fmla="*/ 1391830 w 1731696"/>
+              <a:gd name="connsiteY4" fmla="*/ 315589 h 550258"/>
+              <a:gd name="connsiteX5" fmla="*/ 1577947 w 1731696"/>
+              <a:gd name="connsiteY5" fmla="*/ 315589 h 550258"/>
+              <a:gd name="connsiteX6" fmla="*/ 1577947 w 1731696"/>
+              <a:gd name="connsiteY6" fmla="*/ 436970 h 550258"/>
+              <a:gd name="connsiteX7" fmla="*/ 1731696 w 1731696"/>
+              <a:gd name="connsiteY7" fmla="*/ 436970 h 550258"/>
+              <a:gd name="connsiteX8" fmla="*/ 1731696 w 1731696"/>
+              <a:gd name="connsiteY8" fmla="*/ 550258 h 550258"/>
+              <a:gd name="connsiteX9" fmla="*/ 1577947 w 1731696"/>
+              <a:gd name="connsiteY9" fmla="*/ 550258 h 550258"/>
+              <a:gd name="connsiteX10" fmla="*/ 1391830 w 1731696"/>
+              <a:gd name="connsiteY10" fmla="*/ 550258 h 550258"/>
+              <a:gd name="connsiteX11" fmla="*/ 1205713 w 1731696"/>
+              <a:gd name="connsiteY11" fmla="*/ 550258 h 550258"/>
+              <a:gd name="connsiteX12" fmla="*/ 404602 w 1731696"/>
+              <a:gd name="connsiteY12" fmla="*/ 550258 h 550258"/>
+              <a:gd name="connsiteX13" fmla="*/ 282711 w 1731696"/>
+              <a:gd name="connsiteY13" fmla="*/ 550258 h 550258"/>
+              <a:gd name="connsiteX14" fmla="*/ 105196 w 1731696"/>
+              <a:gd name="connsiteY14" fmla="*/ 550258 h 550258"/>
+              <a:gd name="connsiteX15" fmla="*/ 0 w 1731696"/>
+              <a:gd name="connsiteY15" fmla="*/ 550258 h 550258"/>
+              <a:gd name="connsiteX16" fmla="*/ 0 w 1731696"/>
+              <a:gd name="connsiteY16" fmla="*/ 436970 h 550258"/>
+              <a:gd name="connsiteX17" fmla="*/ 105196 w 1731696"/>
+              <a:gd name="connsiteY17" fmla="*/ 436970 h 550258"/>
+              <a:gd name="connsiteX18" fmla="*/ 105196 w 1731696"/>
+              <a:gd name="connsiteY18" fmla="*/ 315589 h 550258"/>
+              <a:gd name="connsiteX19" fmla="*/ 282711 w 1731696"/>
+              <a:gd name="connsiteY19" fmla="*/ 315589 h 550258"/>
+              <a:gd name="connsiteX20" fmla="*/ 282711 w 1731696"/>
+              <a:gd name="connsiteY20" fmla="*/ 137565 h 550258"/>
+              <a:gd name="connsiteX21" fmla="*/ 404602 w 1731696"/>
+              <a:gd name="connsiteY21" fmla="*/ 137565 h 550258"/>
+            </a:gdLst>
+            <a:ahLst/>
+            <a:cxnLst>
+              <a:cxn ang="0">
+                <a:pos x="connsiteX0" y="connsiteY0"/>
+              </a:cxn>
+              <a:cxn ang="0">
+                <a:pos x="connsiteX1" y="connsiteY1"/>
+              </a:cxn>
+              <a:cxn ang="0">
+                <a:pos x="connsiteX2" y="connsiteY2"/>
+              </a:cxn>
+              <a:cxn ang="0">
+                <a:pos x="connsiteX3" y="connsiteY3"/>
+              </a:cxn>
+              <a:cxn ang="0">
+                <a:pos x="connsiteX4" y="connsiteY4"/>
+              </a:cxn>
+              <a:cxn ang="0">
+                <a:pos x="connsiteX5" y="connsiteY5"/>
+              </a:cxn>
+              <a:cxn ang="0">
+                <a:pos x="connsiteX6" y="connsiteY6"/>
+              </a:cxn>
+              <a:cxn ang="0">
+                <a:pos x="connsiteX7" y="connsiteY7"/>
+              </a:cxn>
+              <a:cxn ang="0">
+                <a:pos x="connsiteX8" y="connsiteY8"/>
+              </a:cxn>
+              <a:cxn ang="0">
+                <a:pos x="connsiteX9" y="connsiteY9"/>
+              </a:cxn>
+              <a:cxn ang="0">
+                <a:pos x="connsiteX10" y="connsiteY10"/>
+              </a:cxn>
+              <a:cxn ang="0">
+                <a:pos x="connsiteX11" y="connsiteY11"/>
+              </a:cxn>
+              <a:cxn ang="0">
+                <a:pos x="connsiteX12" y="connsiteY12"/>
+              </a:cxn>
+              <a:cxn ang="0">
+                <a:pos x="connsiteX13" y="connsiteY13"/>
+              </a:cxn>
+              <a:cxn ang="0">
+                <a:pos x="connsiteX14" y="connsiteY14"/>
+              </a:cxn>
+              <a:cxn ang="0">
+                <a:pos x="connsiteX15" y="connsiteY15"/>
+              </a:cxn>
+              <a:cxn ang="0">
+                <a:pos x="connsiteX16" y="connsiteY16"/>
+              </a:cxn>
+              <a:cxn ang="0">
+                <a:pos x="connsiteX17" y="connsiteY17"/>
+              </a:cxn>
+              <a:cxn ang="0">
+                <a:pos x="connsiteX18" y="connsiteY18"/>
+              </a:cxn>
+              <a:cxn ang="0">
+                <a:pos x="connsiteX19" y="connsiteY19"/>
+              </a:cxn>
+              <a:cxn ang="0">
+                <a:pos x="connsiteX20" y="connsiteY20"/>
+              </a:cxn>
+              <a:cxn ang="0">
+                <a:pos x="connsiteX21" y="connsiteY21"/>
+              </a:cxn>
+            </a:cxnLst>
+            <a:rect l="l" t="t" r="r" b="b"/>
+            <a:pathLst>
+              <a:path w="1731696" h="550258">
+                <a:moveTo>
+                  <a:pt x="404602" y="0"/>
+                </a:moveTo>
+                <a:lnTo>
+                  <a:pt x="1205713" y="0"/>
+                </a:lnTo>
+                <a:lnTo>
+                  <a:pt x="1205713" y="137565"/>
+                </a:lnTo>
+                <a:lnTo>
+                  <a:pt x="1391830" y="137565"/>
+                </a:lnTo>
+                <a:lnTo>
+                  <a:pt x="1391830" y="315589"/>
+                </a:lnTo>
+                <a:lnTo>
+                  <a:pt x="1577947" y="315589"/>
+                </a:lnTo>
+                <a:lnTo>
+                  <a:pt x="1577947" y="436970"/>
+                </a:lnTo>
+                <a:lnTo>
+                  <a:pt x="1731696" y="436970"/>
+                </a:lnTo>
+                <a:lnTo>
+                  <a:pt x="1731696" y="550258"/>
+                </a:lnTo>
+                <a:lnTo>
+                  <a:pt x="1577947" y="550258"/>
+                </a:lnTo>
+                <a:lnTo>
+                  <a:pt x="1391830" y="550258"/>
+                </a:lnTo>
+                <a:lnTo>
+                  <a:pt x="1205713" y="550258"/>
+                </a:lnTo>
+                <a:lnTo>
+                  <a:pt x="404602" y="550258"/>
+                </a:lnTo>
+                <a:lnTo>
+                  <a:pt x="282711" y="550258"/>
+                </a:lnTo>
+                <a:lnTo>
+                  <a:pt x="105196" y="550258"/>
+                </a:lnTo>
+                <a:lnTo>
+                  <a:pt x="0" y="550258"/>
+                </a:lnTo>
+                <a:lnTo>
+                  <a:pt x="0" y="436970"/>
+                </a:lnTo>
+                <a:lnTo>
+                  <a:pt x="105196" y="436970"/>
+                </a:lnTo>
+                <a:lnTo>
+                  <a:pt x="105196" y="315589"/>
+                </a:lnTo>
+                <a:lnTo>
+                  <a:pt x="282711" y="315589"/>
+                </a:lnTo>
+                <a:lnTo>
+                  <a:pt x="282711" y="137565"/>
+                </a:lnTo>
+                <a:lnTo>
+                  <a:pt x="404602" y="137565"/>
+                </a:lnTo>
+                <a:close/>
+              </a:path>
+            </a:pathLst>
+          </a:custGeom>
+          <a:solidFill>
+            <a:srgbClr val="F9F9F9"/>
+          </a:solidFill>
+          <a:ln>
+            <a:noFill/>
+          </a:ln>
+        </p:spPr>
+        <p:style>
+          <a:lnRef idx="2">
+            <a:schemeClr val="accent1">
+              <a:shade val="15000"/>
+            </a:schemeClr>
+          </a:lnRef>
+          <a:fillRef idx="1">
+            <a:schemeClr val="accent1"/>
+          </a:fillRef>
+          <a:effectRef idx="0">
+            <a:schemeClr val="accent1"/>
+          </a:effectRef>
+          <a:fontRef idx="minor">
+            <a:schemeClr val="lt1"/>
+          </a:fontRef>
+        </p:style>
+        <p:txBody>
+          <a:bodyPr wrap="square" rtlCol="0" anchor="ctr">
+            <a:noAutofit/>
+          </a:bodyPr>
+          <a:lstStyle/>
+          <a:p>
+            <a:pPr algn="ctr"/>
+            <a:endParaRPr lang="en-GB"/>
+          </a:p>
+        </p:txBody>
+      </p:sp>
+      <p:sp>
+        <p:nvSpPr>
+          <p:cNvPr id="2" name="Freeform 1">
+            <a:extLst>
+              <a:ext uri="{FF2B5EF4-FFF2-40B4-BE49-F238E27FC236}">
+                <a16:creationId xmlns:a16="http://schemas.microsoft.com/office/drawing/2014/main" id="{DAD81D04-BD42-4748-D5EC-7E7037D30961}"/>
+              </a:ext>
+            </a:extLst>
+          </p:cNvPr>
+          <p:cNvSpPr/>
+          <p:nvPr/>
+        </p:nvSpPr>
+        <p:spPr>
+          <a:xfrm>
+            <a:off x="1127586" y="1846730"/>
+            <a:ext cx="2863204" cy="909801"/>
+          </a:xfrm>
+          <a:custGeom>
+            <a:avLst/>
+            <a:gdLst>
+              <a:gd name="connsiteX0" fmla="*/ 404602 w 1731696"/>
+              <a:gd name="connsiteY0" fmla="*/ 0 h 550258"/>
+              <a:gd name="connsiteX1" fmla="*/ 1205713 w 1731696"/>
+              <a:gd name="connsiteY1" fmla="*/ 0 h 550258"/>
+              <a:gd name="connsiteX2" fmla="*/ 1205713 w 1731696"/>
+              <a:gd name="connsiteY2" fmla="*/ 137565 h 550258"/>
+              <a:gd name="connsiteX3" fmla="*/ 1391830 w 1731696"/>
+              <a:gd name="connsiteY3" fmla="*/ 137565 h 550258"/>
+              <a:gd name="connsiteX4" fmla="*/ 1391830 w 1731696"/>
+              <a:gd name="connsiteY4" fmla="*/ 315589 h 550258"/>
+              <a:gd name="connsiteX5" fmla="*/ 1577947 w 1731696"/>
+              <a:gd name="connsiteY5" fmla="*/ 315589 h 550258"/>
+              <a:gd name="connsiteX6" fmla="*/ 1577947 w 1731696"/>
+              <a:gd name="connsiteY6" fmla="*/ 436970 h 550258"/>
+              <a:gd name="connsiteX7" fmla="*/ 1731696 w 1731696"/>
+              <a:gd name="connsiteY7" fmla="*/ 436970 h 550258"/>
+              <a:gd name="connsiteX8" fmla="*/ 1731696 w 1731696"/>
+              <a:gd name="connsiteY8" fmla="*/ 550258 h 550258"/>
+              <a:gd name="connsiteX9" fmla="*/ 1577947 w 1731696"/>
+              <a:gd name="connsiteY9" fmla="*/ 550258 h 550258"/>
+              <a:gd name="connsiteX10" fmla="*/ 1391830 w 1731696"/>
+              <a:gd name="connsiteY10" fmla="*/ 550258 h 550258"/>
+              <a:gd name="connsiteX11" fmla="*/ 1205713 w 1731696"/>
+              <a:gd name="connsiteY11" fmla="*/ 550258 h 550258"/>
+              <a:gd name="connsiteX12" fmla="*/ 404602 w 1731696"/>
+              <a:gd name="connsiteY12" fmla="*/ 550258 h 550258"/>
+              <a:gd name="connsiteX13" fmla="*/ 282711 w 1731696"/>
+              <a:gd name="connsiteY13" fmla="*/ 550258 h 550258"/>
+              <a:gd name="connsiteX14" fmla="*/ 105196 w 1731696"/>
+              <a:gd name="connsiteY14" fmla="*/ 550258 h 550258"/>
+              <a:gd name="connsiteX15" fmla="*/ 0 w 1731696"/>
+              <a:gd name="connsiteY15" fmla="*/ 550258 h 550258"/>
+              <a:gd name="connsiteX16" fmla="*/ 0 w 1731696"/>
+              <a:gd name="connsiteY16" fmla="*/ 436970 h 550258"/>
+              <a:gd name="connsiteX17" fmla="*/ 105196 w 1731696"/>
+              <a:gd name="connsiteY17" fmla="*/ 436970 h 550258"/>
+              <a:gd name="connsiteX18" fmla="*/ 105196 w 1731696"/>
+              <a:gd name="connsiteY18" fmla="*/ 315589 h 550258"/>
+              <a:gd name="connsiteX19" fmla="*/ 282711 w 1731696"/>
+              <a:gd name="connsiteY19" fmla="*/ 315589 h 550258"/>
+              <a:gd name="connsiteX20" fmla="*/ 282711 w 1731696"/>
+              <a:gd name="connsiteY20" fmla="*/ 137565 h 550258"/>
+              <a:gd name="connsiteX21" fmla="*/ 404602 w 1731696"/>
+              <a:gd name="connsiteY21" fmla="*/ 137565 h 550258"/>
+            </a:gdLst>
+            <a:ahLst/>
+            <a:cxnLst>
+              <a:cxn ang="0">
+                <a:pos x="connsiteX0" y="connsiteY0"/>
+              </a:cxn>
+              <a:cxn ang="0">
+                <a:pos x="connsiteX1" y="connsiteY1"/>
+              </a:cxn>
+              <a:cxn ang="0">
+                <a:pos x="connsiteX2" y="connsiteY2"/>
+              </a:cxn>
+              <a:cxn ang="0">
+                <a:pos x="connsiteX3" y="connsiteY3"/>
+              </a:cxn>
+              <a:cxn ang="0">
+                <a:pos x="connsiteX4" y="connsiteY4"/>
+              </a:cxn>
+              <a:cxn ang="0">
+                <a:pos x="connsiteX5" y="connsiteY5"/>
+              </a:cxn>
+              <a:cxn ang="0">
+                <a:pos x="connsiteX6" y="connsiteY6"/>
+              </a:cxn>
+              <a:cxn ang="0">
+                <a:pos x="connsiteX7" y="connsiteY7"/>
+              </a:cxn>
+              <a:cxn ang="0">
+                <a:pos x="connsiteX8" y="connsiteY8"/>
+              </a:cxn>
+              <a:cxn ang="0">
+                <a:pos x="connsiteX9" y="connsiteY9"/>
+              </a:cxn>
+              <a:cxn ang="0">
+                <a:pos x="connsiteX10" y="connsiteY10"/>
+              </a:cxn>
+              <a:cxn ang="0">
+                <a:pos x="connsiteX11" y="connsiteY11"/>
+              </a:cxn>
+              <a:cxn ang="0">
+                <a:pos x="connsiteX12" y="connsiteY12"/>
+              </a:cxn>
+              <a:cxn ang="0">
+                <a:pos x="connsiteX13" y="connsiteY13"/>
+              </a:cxn>
+              <a:cxn ang="0">
+                <a:pos x="connsiteX14" y="connsiteY14"/>
+              </a:cxn>
+              <a:cxn ang="0">
+                <a:pos x="connsiteX15" y="connsiteY15"/>
+              </a:cxn>
+              <a:cxn ang="0">
+                <a:pos x="connsiteX16" y="connsiteY16"/>
+              </a:cxn>
+              <a:cxn ang="0">
+                <a:pos x="connsiteX17" y="connsiteY17"/>
+              </a:cxn>
+              <a:cxn ang="0">
+                <a:pos x="connsiteX18" y="connsiteY18"/>
+              </a:cxn>
+              <a:cxn ang="0">
+                <a:pos x="connsiteX19" y="connsiteY19"/>
+              </a:cxn>
+              <a:cxn ang="0">
+                <a:pos x="connsiteX20" y="connsiteY20"/>
+              </a:cxn>
+              <a:cxn ang="0">
+                <a:pos x="connsiteX21" y="connsiteY21"/>
+              </a:cxn>
+            </a:cxnLst>
+            <a:rect l="l" t="t" r="r" b="b"/>
+            <a:pathLst>
+              <a:path w="1731696" h="550258">
+                <a:moveTo>
+                  <a:pt x="404602" y="0"/>
+                </a:moveTo>
+                <a:lnTo>
+                  <a:pt x="1205713" y="0"/>
+                </a:lnTo>
+                <a:lnTo>
+                  <a:pt x="1205713" y="137565"/>
+                </a:lnTo>
+                <a:lnTo>
+                  <a:pt x="1391830" y="137565"/>
+                </a:lnTo>
+                <a:lnTo>
+                  <a:pt x="1391830" y="315589"/>
+                </a:lnTo>
+                <a:lnTo>
+                  <a:pt x="1577947" y="315589"/>
+                </a:lnTo>
+                <a:lnTo>
+                  <a:pt x="1577947" y="436970"/>
+                </a:lnTo>
+                <a:lnTo>
+                  <a:pt x="1731696" y="436970"/>
+                </a:lnTo>
+                <a:lnTo>
+                  <a:pt x="1731696" y="550258"/>
+                </a:lnTo>
+                <a:lnTo>
+                  <a:pt x="1577947" y="550258"/>
+                </a:lnTo>
+                <a:lnTo>
+                  <a:pt x="1391830" y="550258"/>
+                </a:lnTo>
+                <a:lnTo>
+                  <a:pt x="1205713" y="550258"/>
+                </a:lnTo>
+                <a:lnTo>
+                  <a:pt x="404602" y="550258"/>
+                </a:lnTo>
+                <a:lnTo>
+                  <a:pt x="282711" y="550258"/>
+                </a:lnTo>
+                <a:lnTo>
+                  <a:pt x="105196" y="550258"/>
+                </a:lnTo>
+                <a:lnTo>
+                  <a:pt x="0" y="550258"/>
+                </a:lnTo>
+                <a:lnTo>
+                  <a:pt x="0" y="436970"/>
+                </a:lnTo>
+                <a:lnTo>
+                  <a:pt x="105196" y="436970"/>
+                </a:lnTo>
+                <a:lnTo>
+                  <a:pt x="105196" y="315589"/>
+                </a:lnTo>
+                <a:lnTo>
+                  <a:pt x="282711" y="315589"/>
+                </a:lnTo>
+                <a:lnTo>
+                  <a:pt x="282711" y="137565"/>
+                </a:lnTo>
+                <a:lnTo>
+                  <a:pt x="404602" y="137565"/>
+                </a:lnTo>
+                <a:close/>
+              </a:path>
+            </a:pathLst>
+          </a:custGeom>
+          <a:solidFill>
+            <a:srgbClr val="F9F9F9"/>
+          </a:solidFill>
+          <a:ln>
+            <a:noFill/>
+          </a:ln>
+        </p:spPr>
+        <p:style>
+          <a:lnRef idx="2">
+            <a:schemeClr val="accent1">
+              <a:shade val="15000"/>
+            </a:schemeClr>
+          </a:lnRef>
+          <a:fillRef idx="1">
+            <a:schemeClr val="accent1"/>
+          </a:fillRef>
+          <a:effectRef idx="0">
+            <a:schemeClr val="accent1"/>
+          </a:effectRef>
+          <a:fontRef idx="minor">
+            <a:schemeClr val="lt1"/>
+          </a:fontRef>
+        </p:style>
+        <p:txBody>
+          <a:bodyPr wrap="square" rtlCol="0" anchor="ctr">
+            <a:noAutofit/>
+          </a:bodyPr>
+          <a:lstStyle/>
+          <a:p>
+            <a:pPr algn="ctr"/>
+            <a:endParaRPr lang="en-GB"/>
+          </a:p>
+        </p:txBody>
+      </p:sp>
+      <p:sp>
+        <p:nvSpPr>
+          <p:cNvPr id="30" name="Rectangle 29">
+            <a:extLst>
+              <a:ext uri="{FF2B5EF4-FFF2-40B4-BE49-F238E27FC236}">
+                <a16:creationId xmlns:a16="http://schemas.microsoft.com/office/drawing/2014/main" id="{A0698699-4813-28A1-8BFE-12EF27B29F64}"/>
+              </a:ext>
+            </a:extLst>
+          </p:cNvPr>
+          <p:cNvSpPr/>
+          <p:nvPr/>
+        </p:nvSpPr>
+        <p:spPr>
+          <a:xfrm>
+            <a:off x="0" y="0"/>
+            <a:ext cx="6911975" cy="4946650"/>
+          </a:xfrm>
+          <a:prstGeom prst="rect">
+            <a:avLst/>
+          </a:prstGeom>
+          <a:solidFill>
+            <a:srgbClr val="FFFFFF">
+              <a:alpha val="67843"/>
+            </a:srgbClr>
+          </a:solidFill>
+          <a:ln>
+            <a:noFill/>
+          </a:ln>
+        </p:spPr>
+        <p:style>
+          <a:lnRef idx="2">
+            <a:schemeClr val="accent1">
+              <a:shade val="15000"/>
+            </a:schemeClr>
+          </a:lnRef>
+          <a:fillRef idx="1">
+            <a:schemeClr val="accent1"/>
+          </a:fillRef>
+          <a:effectRef idx="0">
+            <a:schemeClr val="accent1"/>
+          </a:effectRef>
+          <a:fontRef idx="minor">
+            <a:schemeClr val="lt1"/>
+          </a:fontRef>
+        </p:style>
+        <p:txBody>
+          <a:bodyPr rtlCol="0" anchor="ctr"/>
+          <a:lstStyle/>
+          <a:p>
+            <a:pPr algn="ctr"/>
+            <a:endParaRPr lang="en-GB" dirty="0"/>
+          </a:p>
+        </p:txBody>
+      </p:sp>
+      <p:sp>
+        <p:nvSpPr>
+          <p:cNvPr id="3" name="Rectangle 2">
+            <a:extLst>
+              <a:ext uri="{FF2B5EF4-FFF2-40B4-BE49-F238E27FC236}">
+                <a16:creationId xmlns:a16="http://schemas.microsoft.com/office/drawing/2014/main" id="{C8E3C1E9-6408-A0B2-9B5C-08A75339F33D}"/>
+              </a:ext>
+            </a:extLst>
+          </p:cNvPr>
+          <p:cNvSpPr/>
+          <p:nvPr/>
+        </p:nvSpPr>
+        <p:spPr>
+          <a:xfrm>
+            <a:off x="0" y="3657600"/>
+            <a:ext cx="6911975" cy="283221"/>
+          </a:xfrm>
+          <a:prstGeom prst="rect">
+            <a:avLst/>
+          </a:prstGeom>
+          <a:ln>
+            <a:noFill/>
+          </a:ln>
+        </p:spPr>
+        <p:style>
+          <a:lnRef idx="2">
+            <a:schemeClr val="dk1">
+              <a:shade val="15000"/>
+            </a:schemeClr>
+          </a:lnRef>
+          <a:fillRef idx="1">
+            <a:schemeClr val="dk1"/>
+          </a:fillRef>
+          <a:effectRef idx="0">
+            <a:schemeClr val="dk1"/>
+          </a:effectRef>
+          <a:fontRef idx="minor">
+            <a:schemeClr val="lt1"/>
+          </a:fontRef>
+        </p:style>
+        <p:txBody>
+          <a:bodyPr rtlCol="0" anchor="ctr"/>
+          <a:lstStyle/>
+          <a:p>
+            <a:pPr algn="ctr"/>
+            <a:endParaRPr lang="en-GB"/>
+          </a:p>
+        </p:txBody>
+      </p:sp>
+      <p:sp>
+        <p:nvSpPr>
+          <p:cNvPr id="4" name="Rectangle 3">
+            <a:extLst>
+              <a:ext uri="{FF2B5EF4-FFF2-40B4-BE49-F238E27FC236}">
+                <a16:creationId xmlns:a16="http://schemas.microsoft.com/office/drawing/2014/main" id="{C9638F31-B509-843E-9837-ED76383CE1DF}"/>
+              </a:ext>
+            </a:extLst>
+          </p:cNvPr>
+          <p:cNvSpPr/>
+          <p:nvPr/>
+        </p:nvSpPr>
+        <p:spPr>
+          <a:xfrm>
+            <a:off x="1290347" y="2659442"/>
+            <a:ext cx="283222" cy="998158"/>
+          </a:xfrm>
+          <a:prstGeom prst="rect">
+            <a:avLst/>
+          </a:prstGeom>
+          <a:solidFill>
+            <a:schemeClr val="accent4"/>
+          </a:solidFill>
+          <a:ln>
+            <a:noFill/>
+          </a:ln>
+        </p:spPr>
+        <p:style>
+          <a:lnRef idx="2">
+            <a:schemeClr val="accent1">
+              <a:shade val="15000"/>
+            </a:schemeClr>
+          </a:lnRef>
+          <a:fillRef idx="1">
+            <a:schemeClr val="accent1"/>
+          </a:fillRef>
+          <a:effectRef idx="0">
+            <a:schemeClr val="accent1"/>
+          </a:effectRef>
+          <a:fontRef idx="minor">
+            <a:schemeClr val="lt1"/>
+          </a:fontRef>
+        </p:style>
+        <p:txBody>
+          <a:bodyPr rtlCol="0" anchor="ctr"/>
+          <a:lstStyle/>
+          <a:p>
+            <a:pPr algn="ctr"/>
+            <a:endParaRPr lang="en-GB"/>
+          </a:p>
+        </p:txBody>
+      </p:sp>
+      <p:sp>
+        <p:nvSpPr>
+          <p:cNvPr id="5" name="Rectangle 4">
+            <a:extLst>
+              <a:ext uri="{FF2B5EF4-FFF2-40B4-BE49-F238E27FC236}">
+                <a16:creationId xmlns:a16="http://schemas.microsoft.com/office/drawing/2014/main" id="{5875E134-6690-41F7-70F5-4FF92527584A}"/>
+              </a:ext>
+            </a:extLst>
+          </p:cNvPr>
+          <p:cNvSpPr/>
+          <p:nvPr/>
+        </p:nvSpPr>
+        <p:spPr>
+          <a:xfrm>
+            <a:off x="1840276" y="2512472"/>
+            <a:ext cx="1699328" cy="293940"/>
+          </a:xfrm>
+          <a:prstGeom prst="rect">
+            <a:avLst/>
+          </a:prstGeom>
+          <a:solidFill>
+            <a:srgbClr val="ED322E"/>
+          </a:solidFill>
+          <a:ln>
+            <a:noFill/>
+          </a:ln>
+        </p:spPr>
+        <p:style>
+          <a:lnRef idx="2">
+            <a:schemeClr val="accent1">
+              <a:shade val="15000"/>
+            </a:schemeClr>
+          </a:lnRef>
+          <a:fillRef idx="1">
+            <a:schemeClr val="accent1"/>
+          </a:fillRef>
+          <a:effectRef idx="0">
+            <a:schemeClr val="accent1"/>
+          </a:effectRef>
+          <a:fontRef idx="minor">
+            <a:schemeClr val="lt1"/>
+          </a:fontRef>
+        </p:style>
+        <p:txBody>
+          <a:bodyPr rtlCol="0" anchor="ctr"/>
+          <a:lstStyle/>
+          <a:p>
+            <a:pPr algn="ctr"/>
+            <a:endParaRPr lang="en-GB"/>
+          </a:p>
+        </p:txBody>
+      </p:sp>
+      <p:sp>
+        <p:nvSpPr>
+          <p:cNvPr id="7" name="Rectangle 6">
+            <a:extLst>
+              <a:ext uri="{FF2B5EF4-FFF2-40B4-BE49-F238E27FC236}">
+                <a16:creationId xmlns:a16="http://schemas.microsoft.com/office/drawing/2014/main" id="{4A6F1F41-3345-24CF-75B9-B69ABC2B79D5}"/>
+              </a:ext>
+            </a:extLst>
+          </p:cNvPr>
+          <p:cNvSpPr/>
+          <p:nvPr/>
+        </p:nvSpPr>
+        <p:spPr>
+          <a:xfrm>
+            <a:off x="5745607" y="3615102"/>
+            <a:ext cx="347449" cy="356049"/>
+          </a:xfrm>
+          <a:prstGeom prst="rect">
+            <a:avLst/>
+          </a:prstGeom>
+          <a:solidFill>
+            <a:schemeClr val="accent3">
+              <a:lumMod val="60000"/>
+              <a:lumOff val="40000"/>
+            </a:schemeClr>
+          </a:solidFill>
+          <a:ln>
+            <a:noFill/>
+          </a:ln>
+        </p:spPr>
+        <p:style>
+          <a:lnRef idx="2">
+            <a:schemeClr val="accent1">
+              <a:shade val="15000"/>
+            </a:schemeClr>
+          </a:lnRef>
+          <a:fillRef idx="1">
+            <a:schemeClr val="accent1"/>
+          </a:fillRef>
+          <a:effectRef idx="0">
+            <a:schemeClr val="accent1"/>
+          </a:effectRef>
+          <a:fontRef idx="minor">
+            <a:schemeClr val="lt1"/>
+          </a:fontRef>
+        </p:style>
+        <p:txBody>
+          <a:bodyPr rtlCol="0" anchor="ctr"/>
+          <a:lstStyle/>
+          <a:p>
+            <a:pPr algn="ctr"/>
+            <a:endParaRPr lang="en-GB"/>
+          </a:p>
+        </p:txBody>
+      </p:sp>
+      <p:sp>
+        <p:nvSpPr>
+          <p:cNvPr id="8" name="Rectangle 7">
+            <a:extLst>
+              <a:ext uri="{FF2B5EF4-FFF2-40B4-BE49-F238E27FC236}">
+                <a16:creationId xmlns:a16="http://schemas.microsoft.com/office/drawing/2014/main" id="{20353AF6-D4FB-4F89-64DD-F54D6A56FE9B}"/>
+              </a:ext>
+            </a:extLst>
+          </p:cNvPr>
+          <p:cNvSpPr/>
+          <p:nvPr/>
+        </p:nvSpPr>
+        <p:spPr>
+          <a:xfrm>
+            <a:off x="231604" y="3550366"/>
+            <a:ext cx="413570" cy="361725"/>
+          </a:xfrm>
+          <a:prstGeom prst="rect">
+            <a:avLst/>
+          </a:prstGeom>
+          <a:solidFill>
+            <a:srgbClr val="ED632C"/>
+          </a:solidFill>
+          <a:ln>
+            <a:noFill/>
+          </a:ln>
+        </p:spPr>
+        <p:style>
+          <a:lnRef idx="2">
+            <a:schemeClr val="accent1">
+              <a:shade val="15000"/>
+            </a:schemeClr>
+          </a:lnRef>
+          <a:fillRef idx="1">
+            <a:schemeClr val="accent1"/>
+          </a:fillRef>
+          <a:effectRef idx="0">
+            <a:schemeClr val="accent1"/>
+          </a:effectRef>
+          <a:fontRef idx="minor">
+            <a:schemeClr val="lt1"/>
+          </a:fontRef>
+        </p:style>
+        <p:txBody>
+          <a:bodyPr rtlCol="0" anchor="ctr"/>
+          <a:lstStyle/>
+          <a:p>
+            <a:pPr algn="ctr"/>
+            <a:endParaRPr lang="en-GB"/>
+          </a:p>
+        </p:txBody>
+      </p:sp>
+      <p:sp>
+        <p:nvSpPr>
+          <p:cNvPr id="9" name="Rectangle 8">
+            <a:extLst>
+              <a:ext uri="{FF2B5EF4-FFF2-40B4-BE49-F238E27FC236}">
+                <a16:creationId xmlns:a16="http://schemas.microsoft.com/office/drawing/2014/main" id="{EFD66CF5-57CE-2DCD-9885-26E2F482041A}"/>
+              </a:ext>
+            </a:extLst>
+          </p:cNvPr>
+          <p:cNvSpPr/>
+          <p:nvPr/>
+        </p:nvSpPr>
+        <p:spPr>
+          <a:xfrm>
+            <a:off x="737296" y="2961685"/>
+            <a:ext cx="331774" cy="695915"/>
+          </a:xfrm>
+          <a:prstGeom prst="rect">
+            <a:avLst/>
+          </a:prstGeom>
+          <a:solidFill>
+            <a:srgbClr val="FF0076"/>
+          </a:solidFill>
+          <a:ln>
+            <a:noFill/>
+          </a:ln>
+        </p:spPr>
+        <p:style>
+          <a:lnRef idx="2">
+            <a:schemeClr val="accent1">
+              <a:shade val="15000"/>
+            </a:schemeClr>
+          </a:lnRef>
+          <a:fillRef idx="1">
+            <a:schemeClr val="accent1"/>
+          </a:fillRef>
+          <a:effectRef idx="0">
+            <a:schemeClr val="accent1"/>
+          </a:effectRef>
+          <a:fontRef idx="minor">
+            <a:schemeClr val="lt1"/>
+          </a:fontRef>
+        </p:style>
+        <p:txBody>
+          <a:bodyPr rtlCol="0" anchor="ctr"/>
+          <a:lstStyle/>
+          <a:p>
+            <a:pPr algn="ctr"/>
+            <a:endParaRPr lang="en-GB"/>
+          </a:p>
+        </p:txBody>
+      </p:sp>
+      <p:sp>
+        <p:nvSpPr>
+          <p:cNvPr id="11" name="Rectangle 10">
+            <a:extLst>
+              <a:ext uri="{FF2B5EF4-FFF2-40B4-BE49-F238E27FC236}">
+                <a16:creationId xmlns:a16="http://schemas.microsoft.com/office/drawing/2014/main" id="{22A6FE95-FD1E-4B4E-BF0A-EC1945EBFE4A}"/>
+              </a:ext>
+            </a:extLst>
+          </p:cNvPr>
+          <p:cNvSpPr/>
+          <p:nvPr/>
+        </p:nvSpPr>
+        <p:spPr>
+          <a:xfrm>
+            <a:off x="2343401" y="2961685"/>
+            <a:ext cx="331774" cy="695915"/>
+          </a:xfrm>
+          <a:prstGeom prst="rect">
+            <a:avLst/>
+          </a:prstGeom>
+          <a:solidFill>
+            <a:srgbClr val="5A00B4"/>
+          </a:solidFill>
+          <a:ln>
+            <a:noFill/>
+          </a:ln>
+        </p:spPr>
+        <p:style>
+          <a:lnRef idx="2">
+            <a:schemeClr val="accent1">
+              <a:shade val="15000"/>
+            </a:schemeClr>
+          </a:lnRef>
+          <a:fillRef idx="1">
+            <a:schemeClr val="accent1"/>
+          </a:fillRef>
+          <a:effectRef idx="0">
+            <a:schemeClr val="accent1"/>
+          </a:effectRef>
+          <a:fontRef idx="minor">
+            <a:schemeClr val="lt1"/>
+          </a:fontRef>
+        </p:style>
+        <p:txBody>
+          <a:bodyPr rtlCol="0" anchor="ctr"/>
+          <a:lstStyle/>
+          <a:p>
+            <a:pPr algn="ctr"/>
+            <a:endParaRPr lang="en-GB"/>
+          </a:p>
+        </p:txBody>
+      </p:sp>
+    </p:spTree>
+    <p:extLst>
+      <p:ext uri="{BB962C8B-B14F-4D97-AF65-F5344CB8AC3E}">
+        <p14:creationId xmlns:p14="http://schemas.microsoft.com/office/powerpoint/2010/main" val="298613089"/>
+      </p:ext>
+    </p:extLst>
+  </p:cSld>
+  <p:clrMapOvr>
+    <a:masterClrMapping/>
+  </p:clrMapOvr>
+</p:sld>
+</file>
+
+<file path=ppt/slides/slide3.xml><?xml version="1.0" encoding="utf-8"?>
+<p:sld xmlns:a="http://schemas.openxmlformats.org/drawingml/2006/main" xmlns:r="http://schemas.openxmlformats.org/officeDocument/2006/relationships" xmlns:p="http://schemas.openxmlformats.org/presentationml/2006/main">
+  <p:cSld>
+    <p:spTree>
+      <p:nvGrpSpPr>
+        <p:cNvPr id="1" name=""/>
+        <p:cNvGrpSpPr/>
+        <p:nvPr/>
+      </p:nvGrpSpPr>
+      <p:grpSpPr>
+        <a:xfrm>
+          <a:off x="0" y="0"/>
+          <a:ext cx="0" cy="0"/>
+          <a:chOff x="0" y="0"/>
+          <a:chExt cx="0" cy="0"/>
+        </a:xfrm>
+      </p:grpSpPr>
+      <p:sp>
+        <p:nvSpPr>
+          <p:cNvPr id="5" name="Rectangle 4">
+            <a:extLst>
+              <a:ext uri="{FF2B5EF4-FFF2-40B4-BE49-F238E27FC236}">
+                <a16:creationId xmlns:a16="http://schemas.microsoft.com/office/drawing/2014/main" id="{C6039319-3817-0D5F-871C-48E46C802059}"/>
+              </a:ext>
+            </a:extLst>
+          </p:cNvPr>
+          <p:cNvSpPr/>
+          <p:nvPr/>
+        </p:nvSpPr>
+        <p:spPr>
+          <a:xfrm>
+            <a:off x="0" y="3657600"/>
+            <a:ext cx="6911975" cy="283221"/>
+          </a:xfrm>
+          <a:prstGeom prst="rect">
+            <a:avLst/>
+          </a:prstGeom>
+        </p:spPr>
+        <p:style>
+          <a:lnRef idx="2">
+            <a:schemeClr val="dk1">
+              <a:shade val="15000"/>
+            </a:schemeClr>
+          </a:lnRef>
+          <a:fillRef idx="1">
+            <a:schemeClr val="dk1"/>
+          </a:fillRef>
+          <a:effectRef idx="0">
+            <a:schemeClr val="dk1"/>
+          </a:effectRef>
+          <a:fontRef idx="minor">
+            <a:schemeClr val="lt1"/>
+          </a:fontRef>
+        </p:style>
+        <p:txBody>
+          <a:bodyPr rtlCol="0" anchor="ctr"/>
+          <a:lstStyle/>
+          <a:p>
+            <a:pPr algn="ctr"/>
+            <a:endParaRPr lang="en-GB"/>
+          </a:p>
+        </p:txBody>
+      </p:sp>
+      <p:sp>
+        <p:nvSpPr>
+          <p:cNvPr id="6" name="Rectangle 5">
+            <a:extLst>
+              <a:ext uri="{FF2B5EF4-FFF2-40B4-BE49-F238E27FC236}">
+                <a16:creationId xmlns:a16="http://schemas.microsoft.com/office/drawing/2014/main" id="{0203DBCF-7200-7027-1EE5-7E69C0E699B1}"/>
+              </a:ext>
+            </a:extLst>
+          </p:cNvPr>
+          <p:cNvSpPr/>
+          <p:nvPr/>
+        </p:nvSpPr>
+        <p:spPr>
+          <a:xfrm>
+            <a:off x="1290347" y="2659442"/>
+            <a:ext cx="283222" cy="998158"/>
+          </a:xfrm>
+          <a:prstGeom prst="rect">
+            <a:avLst/>
+          </a:prstGeom>
+          <a:solidFill>
+            <a:schemeClr val="accent4"/>
+          </a:solidFill>
+          <a:ln>
+            <a:solidFill>
+              <a:schemeClr val="accent4"/>
+            </a:solidFill>
+          </a:ln>
+        </p:spPr>
+        <p:style>
+          <a:lnRef idx="2">
+            <a:schemeClr val="accent1">
+              <a:shade val="15000"/>
+            </a:schemeClr>
+          </a:lnRef>
+          <a:fillRef idx="1">
+            <a:schemeClr val="accent1"/>
+          </a:fillRef>
+          <a:effectRef idx="0">
+            <a:schemeClr val="accent1"/>
+          </a:effectRef>
+          <a:fontRef idx="minor">
+            <a:schemeClr val="lt1"/>
+          </a:fontRef>
+        </p:style>
+        <p:txBody>
+          <a:bodyPr rtlCol="0" anchor="ctr"/>
+          <a:lstStyle/>
+          <a:p>
+            <a:pPr algn="ctr"/>
+            <a:endParaRPr lang="en-GB"/>
+          </a:p>
+        </p:txBody>
+      </p:sp>
+      <p:sp>
+        <p:nvSpPr>
+          <p:cNvPr id="7" name="Rectangle 6">
+            <a:extLst>
+              <a:ext uri="{FF2B5EF4-FFF2-40B4-BE49-F238E27FC236}">
+                <a16:creationId xmlns:a16="http://schemas.microsoft.com/office/drawing/2014/main" id="{77E0C3C1-61F4-C438-D418-75FB15185065}"/>
+              </a:ext>
+            </a:extLst>
+          </p:cNvPr>
+          <p:cNvSpPr/>
+          <p:nvPr/>
+        </p:nvSpPr>
+        <p:spPr>
+          <a:xfrm>
+            <a:off x="1840276" y="2512472"/>
+            <a:ext cx="1699328" cy="293940"/>
+          </a:xfrm>
+          <a:prstGeom prst="rect">
+            <a:avLst/>
+          </a:prstGeom>
+          <a:solidFill>
+            <a:srgbClr val="ED322E"/>
+          </a:solidFill>
+        </p:spPr>
+        <p:style>
+          <a:lnRef idx="2">
+            <a:schemeClr val="accent1">
+              <a:shade val="15000"/>
+            </a:schemeClr>
+          </a:lnRef>
+          <a:fillRef idx="1">
+            <a:schemeClr val="accent1"/>
+          </a:fillRef>
+          <a:effectRef idx="0">
+            <a:schemeClr val="accent1"/>
+          </a:effectRef>
+          <a:fontRef idx="minor">
+            <a:schemeClr val="lt1"/>
+          </a:fontRef>
+        </p:style>
+        <p:txBody>
+          <a:bodyPr rtlCol="0" anchor="ctr"/>
+          <a:lstStyle/>
+          <a:p>
+            <a:pPr algn="ctr"/>
+            <a:endParaRPr lang="en-GB"/>
+          </a:p>
+        </p:txBody>
+      </p:sp>
+      <p:sp>
+        <p:nvSpPr>
+          <p:cNvPr id="8" name="Rectangle 7">
+            <a:extLst>
+              <a:ext uri="{FF2B5EF4-FFF2-40B4-BE49-F238E27FC236}">
+                <a16:creationId xmlns:a16="http://schemas.microsoft.com/office/drawing/2014/main" id="{BC520AA7-D39E-C44B-2D34-60AF7AB39567}"/>
+              </a:ext>
+            </a:extLst>
+          </p:cNvPr>
+          <p:cNvSpPr/>
+          <p:nvPr/>
+        </p:nvSpPr>
+        <p:spPr>
+          <a:xfrm>
+            <a:off x="5745607" y="3615102"/>
+            <a:ext cx="347449" cy="356049"/>
+          </a:xfrm>
+          <a:prstGeom prst="rect">
+            <a:avLst/>
+          </a:prstGeom>
+          <a:solidFill>
+            <a:schemeClr val="accent3">
+              <a:lumMod val="60000"/>
+              <a:lumOff val="40000"/>
+            </a:schemeClr>
+          </a:solidFill>
+        </p:spPr>
+        <p:style>
+          <a:lnRef idx="2">
+            <a:schemeClr val="accent1">
+              <a:shade val="15000"/>
+            </a:schemeClr>
+          </a:lnRef>
+          <a:fillRef idx="1">
+            <a:schemeClr val="accent1"/>
+          </a:fillRef>
+          <a:effectRef idx="0">
+            <a:schemeClr val="accent1"/>
+          </a:effectRef>
+          <a:fontRef idx="minor">
+            <a:schemeClr val="lt1"/>
+          </a:fontRef>
+        </p:style>
+        <p:txBody>
+          <a:bodyPr rtlCol="0" anchor="ctr"/>
+          <a:lstStyle/>
+          <a:p>
+            <a:pPr algn="ctr"/>
+            <a:endParaRPr lang="en-GB"/>
+          </a:p>
+        </p:txBody>
+      </p:sp>
+      <p:sp>
+        <p:nvSpPr>
+          <p:cNvPr id="9" name="Rectangle 8">
+            <a:extLst>
+              <a:ext uri="{FF2B5EF4-FFF2-40B4-BE49-F238E27FC236}">
+                <a16:creationId xmlns:a16="http://schemas.microsoft.com/office/drawing/2014/main" id="{89BFA0F6-BC54-9605-60E4-2AB939A0B493}"/>
+              </a:ext>
+            </a:extLst>
+          </p:cNvPr>
+          <p:cNvSpPr/>
+          <p:nvPr/>
+        </p:nvSpPr>
+        <p:spPr>
+          <a:xfrm>
+            <a:off x="231604" y="3550366"/>
+            <a:ext cx="413570" cy="361725"/>
+          </a:xfrm>
+          <a:prstGeom prst="rect">
+            <a:avLst/>
+          </a:prstGeom>
+          <a:solidFill>
+            <a:srgbClr val="ED632C"/>
+          </a:solidFill>
+        </p:spPr>
+        <p:style>
+          <a:lnRef idx="2">
+            <a:schemeClr val="accent1">
+              <a:shade val="15000"/>
+            </a:schemeClr>
+          </a:lnRef>
+          <a:fillRef idx="1">
+            <a:schemeClr val="accent1"/>
+          </a:fillRef>
+          <a:effectRef idx="0">
+            <a:schemeClr val="accent1"/>
+          </a:effectRef>
+          <a:fontRef idx="minor">
+            <a:schemeClr val="lt1"/>
+          </a:fontRef>
+        </p:style>
+        <p:txBody>
+          <a:bodyPr rtlCol="0" anchor="ctr"/>
+          <a:lstStyle/>
+          <a:p>
+            <a:pPr algn="ctr"/>
+            <a:endParaRPr lang="en-GB"/>
+          </a:p>
+        </p:txBody>
+      </p:sp>
+    </p:spTree>
+    <p:extLst>
+      <p:ext uri="{BB962C8B-B14F-4D97-AF65-F5344CB8AC3E}">
+        <p14:creationId xmlns:p14="http://schemas.microsoft.com/office/powerpoint/2010/main" val="565356593"/>
+      </p:ext>
+    </p:extLst>
+  </p:cSld>
+  <p:clrMapOvr>
+    <a:masterClrMapping/>
+  </p:clrMapOvr>
+</p:sld>
+</file>
+
+<file path=ppt/slides/slide4.xml><?xml version="1.0" encoding="utf-8"?>
 <p:sld xmlns:a="http://schemas.openxmlformats.org/drawingml/2006/main" xmlns:r="http://schemas.openxmlformats.org/officeDocument/2006/relationships" xmlns:p="http://schemas.openxmlformats.org/presentationml/2006/main">
   <p:cSld>
     <p:spTree>
